--- a/Presentation.pptx
+++ b/Presentation.pptx
@@ -12,7 +12,8 @@
     <p:sldId id="260" r:id="rId6"/>
     <p:sldId id="261" r:id="rId7"/>
     <p:sldId id="262" r:id="rId8"/>
-    <p:sldId id="263" r:id="rId9"/>
+    <p:sldId id="265" r:id="rId9"/>
+    <p:sldId id="263" r:id="rId10"/>
   </p:sldIdLst>
   <p:sldSz cx="12192000" cy="6858000"/>
   <p:notesSz cx="6858000" cy="9144000"/>
@@ -119,12 +120,20 @@
 </p:presentation>
 </file>
 
+<file path=ppt/revisionInfo.xml><?xml version="1.0" encoding="utf-8"?>
+<p1510:revInfo xmlns:a="http://schemas.openxmlformats.org/drawingml/2006/main" xmlns:r="http://schemas.openxmlformats.org/officeDocument/2006/relationships" xmlns:p1510="http://schemas.microsoft.com/office/powerpoint/2015/10/main">
+  <p1510:revLst>
+    <p1510:client id="{3C509AE8-1F54-431D-AC01-3C082583A419}" v="1" dt="2023-09-26T07:33:44.902"/>
+  </p1510:revLst>
+</p1510:revInfo>
+</file>
+
 <file path=ppt/changesInfos/changesInfo1.xml><?xml version="1.0" encoding="utf-8"?>
 <pc:chgInfo xmlns:a="http://schemas.openxmlformats.org/drawingml/2006/main" xmlns:r="http://schemas.openxmlformats.org/officeDocument/2006/relationships" xmlns:ac="http://schemas.microsoft.com/office/drawing/2013/main/command" xmlns:pc="http://schemas.microsoft.com/office/powerpoint/2013/main/command">
   <pc:docChgLst>
     <pc:chgData name="Mohamed Hatem" userId="44798b163e9aeeea" providerId="LiveId" clId="{3C509AE8-1F54-431D-AC01-3C082583A419}"/>
-    <pc:docChg chg="undo redo custSel modSld">
-      <pc:chgData name="Mohamed Hatem" userId="44798b163e9aeeea" providerId="LiveId" clId="{3C509AE8-1F54-431D-AC01-3C082583A419}" dt="2023-09-25T23:42:41.515" v="2" actId="313"/>
+    <pc:docChg chg="undo redo custSel addSld delSld modSld">
+      <pc:chgData name="Mohamed Hatem" userId="44798b163e9aeeea" providerId="LiveId" clId="{3C509AE8-1F54-431D-AC01-3C082583A419}" dt="2023-09-26T07:33:58.284" v="13" actId="1076"/>
       <pc:docMkLst>
         <pc:docMk/>
       </pc:docMkLst>
@@ -142,6 +151,60 @@
             <ac:spMk id="2" creationId="{2BCD760D-FAC0-2239-C822-330F851C916E}"/>
           </ac:spMkLst>
         </pc:spChg>
+      </pc:sldChg>
+      <pc:sldChg chg="addSp delSp modSp new del mod">
+        <pc:chgData name="Mohamed Hatem" userId="44798b163e9aeeea" providerId="LiveId" clId="{3C509AE8-1F54-431D-AC01-3C082583A419}" dt="2023-09-26T07:33:40.883" v="6" actId="47"/>
+        <pc:sldMkLst>
+          <pc:docMk/>
+          <pc:sldMk cId="2191600544" sldId="264"/>
+        </pc:sldMkLst>
+        <pc:spChg chg="del">
+          <ac:chgData name="Mohamed Hatem" userId="44798b163e9aeeea" providerId="LiveId" clId="{3C509AE8-1F54-431D-AC01-3C082583A419}" dt="2023-09-26T07:33:13.564" v="4" actId="22"/>
+          <ac:spMkLst>
+            <pc:docMk/>
+            <pc:sldMk cId="2191600544" sldId="264"/>
+            <ac:spMk id="3" creationId="{F6E74EB1-D7CC-F86B-54B0-0CE59A75980E}"/>
+          </ac:spMkLst>
+        </pc:spChg>
+        <pc:picChg chg="add mod ord">
+          <ac:chgData name="Mohamed Hatem" userId="44798b163e9aeeea" providerId="LiveId" clId="{3C509AE8-1F54-431D-AC01-3C082583A419}" dt="2023-09-26T07:33:13.564" v="4" actId="22"/>
+          <ac:picMkLst>
+            <pc:docMk/>
+            <pc:sldMk cId="2191600544" sldId="264"/>
+            <ac:picMk id="5" creationId="{C01BFE3D-C0EB-71C3-CC88-EBDAE562282A}"/>
+          </ac:picMkLst>
+        </pc:picChg>
+      </pc:sldChg>
+      <pc:sldChg chg="addSp delSp modSp add mod">
+        <pc:chgData name="Mohamed Hatem" userId="44798b163e9aeeea" providerId="LiveId" clId="{3C509AE8-1F54-431D-AC01-3C082583A419}" dt="2023-09-26T07:33:58.284" v="13" actId="1076"/>
+        <pc:sldMkLst>
+          <pc:docMk/>
+          <pc:sldMk cId="2082655347" sldId="265"/>
+        </pc:sldMkLst>
+        <pc:spChg chg="add del mod">
+          <ac:chgData name="Mohamed Hatem" userId="44798b163e9aeeea" providerId="LiveId" clId="{3C509AE8-1F54-431D-AC01-3C082583A419}" dt="2023-09-26T07:33:50.096" v="10" actId="478"/>
+          <ac:spMkLst>
+            <pc:docMk/>
+            <pc:sldMk cId="2082655347" sldId="265"/>
+            <ac:spMk id="4" creationId="{5AF902AE-615C-616C-A0E1-C4C2ECB564E4}"/>
+          </ac:spMkLst>
+        </pc:spChg>
+        <pc:picChg chg="del">
+          <ac:chgData name="Mohamed Hatem" userId="44798b163e9aeeea" providerId="LiveId" clId="{3C509AE8-1F54-431D-AC01-3C082583A419}" dt="2023-09-26T07:33:44.555" v="7" actId="478"/>
+          <ac:picMkLst>
+            <pc:docMk/>
+            <pc:sldMk cId="2082655347" sldId="265"/>
+            <ac:picMk id="5" creationId="{198CF9E8-0484-A3AE-9303-E94813D2AF54}"/>
+          </ac:picMkLst>
+        </pc:picChg>
+        <pc:picChg chg="add mod">
+          <ac:chgData name="Mohamed Hatem" userId="44798b163e9aeeea" providerId="LiveId" clId="{3C509AE8-1F54-431D-AC01-3C082583A419}" dt="2023-09-26T07:33:58.284" v="13" actId="1076"/>
+          <ac:picMkLst>
+            <pc:docMk/>
+            <pc:sldMk cId="2082655347" sldId="265"/>
+            <ac:picMk id="6" creationId="{A130F5A8-0444-B313-0F2F-B6757425E7B3}"/>
+          </ac:picMkLst>
+        </pc:picChg>
       </pc:sldChg>
     </pc:docChg>
   </pc:docChgLst>
@@ -9998,6 +10061,569 @@
           <p:cNvPr id="10" name="Rectangle 9">
             <a:extLst>
               <a:ext uri="{FF2B5EF4-FFF2-40B4-BE49-F238E27FC236}">
+                <a16:creationId xmlns:a16="http://schemas.microsoft.com/office/drawing/2014/main" id="{DD651B61-325E-4E73-8445-38B0DE8AAAB6}"/>
+              </a:ext>
+              <a:ext uri="{C183D7F6-B498-43B3-948B-1728B52AA6E4}">
+                <adec:decorative xmlns:adec="http://schemas.microsoft.com/office/drawing/2017/decorative" val="1"/>
+              </a:ext>
+            </a:extLst>
+          </p:cNvPr>
+          <p:cNvSpPr>
+            <a:spLocks noGrp="1" noRot="1" noChangeAspect="1" noMove="1" noResize="1" noEditPoints="1" noAdjustHandles="1" noChangeArrowheads="1" noChangeShapeType="1" noTextEdit="1"/>
+          </p:cNvSpPr>
+          <p:nvPr>
+            <p:extLst>
+              <p:ext uri="{386F3935-93C4-4BCD-93E2-E3B085C9AB24}">
+                <p16:designElem xmlns:p16="http://schemas.microsoft.com/office/powerpoint/2015/main" val="1"/>
+              </p:ext>
+            </p:extLst>
+          </p:nvPr>
+        </p:nvSpPr>
+        <p:spPr>
+          <a:xfrm>
+            <a:off x="446534" y="457200"/>
+            <a:ext cx="3703320" cy="94997"/>
+          </a:xfrm>
+          <a:prstGeom prst="rect">
+            <a:avLst/>
+          </a:prstGeom>
+          <a:solidFill>
+            <a:srgbClr val="465359"/>
+          </a:solidFill>
+          <a:ln>
+            <a:noFill/>
+          </a:ln>
+          <a:effectLst/>
+        </p:spPr>
+        <p:style>
+          <a:lnRef idx="1">
+            <a:schemeClr val="accent1"/>
+          </a:lnRef>
+          <a:fillRef idx="3">
+            <a:schemeClr val="accent1"/>
+          </a:fillRef>
+          <a:effectRef idx="2">
+            <a:schemeClr val="accent1"/>
+          </a:effectRef>
+          <a:fontRef idx="minor">
+            <a:schemeClr val="lt1"/>
+          </a:fontRef>
+        </p:style>
+        <p:txBody>
+          <a:bodyPr/>
+          <a:lstStyle/>
+          <a:p>
+            <a:endParaRPr lang="en-US"/>
+          </a:p>
+        </p:txBody>
+      </p:sp>
+      <p:sp>
+        <p:nvSpPr>
+          <p:cNvPr id="12" name="Rectangle 11">
+            <a:extLst>
+              <a:ext uri="{FF2B5EF4-FFF2-40B4-BE49-F238E27FC236}">
+                <a16:creationId xmlns:a16="http://schemas.microsoft.com/office/drawing/2014/main" id="{B42E5253-D3AC-4AC2-B766-8B34F13C2F5E}"/>
+              </a:ext>
+              <a:ext uri="{C183D7F6-B498-43B3-948B-1728B52AA6E4}">
+                <adec:decorative xmlns:adec="http://schemas.microsoft.com/office/drawing/2017/decorative" val="1"/>
+              </a:ext>
+            </a:extLst>
+          </p:cNvPr>
+          <p:cNvSpPr>
+            <a:spLocks noGrp="1" noRot="1" noChangeAspect="1" noMove="1" noResize="1" noEditPoints="1" noAdjustHandles="1" noChangeArrowheads="1" noChangeShapeType="1" noTextEdit="1"/>
+          </p:cNvSpPr>
+          <p:nvPr>
+            <p:extLst>
+              <p:ext uri="{386F3935-93C4-4BCD-93E2-E3B085C9AB24}">
+                <p16:designElem xmlns:p16="http://schemas.microsoft.com/office/powerpoint/2015/main" val="1"/>
+              </p:ext>
+            </p:extLst>
+          </p:nvPr>
+        </p:nvSpPr>
+        <p:spPr>
+          <a:xfrm>
+            <a:off x="8042147" y="453643"/>
+            <a:ext cx="3703320" cy="98554"/>
+          </a:xfrm>
+          <a:prstGeom prst="rect">
+            <a:avLst/>
+          </a:prstGeom>
+          <a:solidFill>
+            <a:srgbClr val="969FA7"/>
+          </a:solidFill>
+          <a:ln>
+            <a:noFill/>
+          </a:ln>
+          <a:effectLst/>
+        </p:spPr>
+        <p:style>
+          <a:lnRef idx="1">
+            <a:schemeClr val="accent1"/>
+          </a:lnRef>
+          <a:fillRef idx="3">
+            <a:schemeClr val="accent1"/>
+          </a:fillRef>
+          <a:effectRef idx="2">
+            <a:schemeClr val="accent1"/>
+          </a:effectRef>
+          <a:fontRef idx="minor">
+            <a:schemeClr val="lt1"/>
+          </a:fontRef>
+        </p:style>
+        <p:txBody>
+          <a:bodyPr/>
+          <a:lstStyle/>
+          <a:p>
+            <a:endParaRPr lang="en-US"/>
+          </a:p>
+        </p:txBody>
+      </p:sp>
+      <p:sp>
+        <p:nvSpPr>
+          <p:cNvPr id="14" name="Rectangle 13">
+            <a:extLst>
+              <a:ext uri="{FF2B5EF4-FFF2-40B4-BE49-F238E27FC236}">
+                <a16:creationId xmlns:a16="http://schemas.microsoft.com/office/drawing/2014/main" id="{10AE8D57-436A-4073-9A75-15BB5949F8B4}"/>
+              </a:ext>
+              <a:ext uri="{C183D7F6-B498-43B3-948B-1728B52AA6E4}">
+                <adec:decorative xmlns:adec="http://schemas.microsoft.com/office/drawing/2017/decorative" val="1"/>
+              </a:ext>
+            </a:extLst>
+          </p:cNvPr>
+          <p:cNvSpPr>
+            <a:spLocks noGrp="1" noRot="1" noChangeAspect="1" noMove="1" noResize="1" noEditPoints="1" noAdjustHandles="1" noChangeArrowheads="1" noChangeShapeType="1" noTextEdit="1"/>
+          </p:cNvSpPr>
+          <p:nvPr>
+            <p:extLst>
+              <p:ext uri="{386F3935-93C4-4BCD-93E2-E3B085C9AB24}">
+                <p16:designElem xmlns:p16="http://schemas.microsoft.com/office/powerpoint/2015/main" val="1"/>
+              </p:ext>
+            </p:extLst>
+          </p:nvPr>
+        </p:nvSpPr>
+        <p:spPr>
+          <a:xfrm>
+            <a:off x="4241830" y="457200"/>
+            <a:ext cx="3703320" cy="91440"/>
+          </a:xfrm>
+          <a:prstGeom prst="rect">
+            <a:avLst/>
+          </a:prstGeom>
+          <a:solidFill>
+            <a:schemeClr val="accent1"/>
+          </a:solidFill>
+          <a:ln>
+            <a:noFill/>
+          </a:ln>
+          <a:effectLst/>
+        </p:spPr>
+        <p:style>
+          <a:lnRef idx="1">
+            <a:schemeClr val="accent1"/>
+          </a:lnRef>
+          <a:fillRef idx="3">
+            <a:schemeClr val="accent1"/>
+          </a:fillRef>
+          <a:effectRef idx="2">
+            <a:schemeClr val="accent1"/>
+          </a:effectRef>
+          <a:fontRef idx="minor">
+            <a:schemeClr val="lt1"/>
+          </a:fontRef>
+        </p:style>
+        <p:txBody>
+          <a:bodyPr/>
+          <a:lstStyle/>
+          <a:p>
+            <a:endParaRPr lang="en-US"/>
+          </a:p>
+        </p:txBody>
+      </p:sp>
+      <p:sp>
+        <p:nvSpPr>
+          <p:cNvPr id="16" name="Rectangle 15">
+            <a:extLst>
+              <a:ext uri="{FF2B5EF4-FFF2-40B4-BE49-F238E27FC236}">
+                <a16:creationId xmlns:a16="http://schemas.microsoft.com/office/drawing/2014/main" id="{E2852671-8EB6-4EAF-8AF8-65CF3FD66456}"/>
+              </a:ext>
+              <a:ext uri="{C183D7F6-B498-43B3-948B-1728B52AA6E4}">
+                <adec:decorative xmlns:adec="http://schemas.microsoft.com/office/drawing/2017/decorative" val="1"/>
+              </a:ext>
+            </a:extLst>
+          </p:cNvPr>
+          <p:cNvSpPr>
+            <a:spLocks noGrp="1" noRot="1" noChangeAspect="1" noMove="1" noResize="1" noEditPoints="1" noAdjustHandles="1" noChangeArrowheads="1" noChangeShapeType="1" noTextEdit="1"/>
+          </p:cNvSpPr>
+          <p:nvPr>
+            <p:extLst>
+              <p:ext uri="{386F3935-93C4-4BCD-93E2-E3B085C9AB24}">
+                <p16:designElem xmlns:p16="http://schemas.microsoft.com/office/powerpoint/2015/main" val="1"/>
+              </p:ext>
+            </p:extLst>
+          </p:nvPr>
+        </p:nvSpPr>
+        <p:spPr>
+          <a:xfrm>
+            <a:off x="446534" y="3085764"/>
+            <a:ext cx="11298932" cy="3338149"/>
+          </a:xfrm>
+          <a:prstGeom prst="rect">
+            <a:avLst/>
+          </a:prstGeom>
+          <a:solidFill>
+            <a:srgbClr val="465359"/>
+          </a:solidFill>
+          <a:ln>
+            <a:noFill/>
+          </a:ln>
+          <a:effectLst/>
+        </p:spPr>
+        <p:style>
+          <a:lnRef idx="1">
+            <a:schemeClr val="accent1"/>
+          </a:lnRef>
+          <a:fillRef idx="3">
+            <a:schemeClr val="accent1"/>
+          </a:fillRef>
+          <a:effectRef idx="2">
+            <a:schemeClr val="accent1"/>
+          </a:effectRef>
+          <a:fontRef idx="minor">
+            <a:schemeClr val="lt1"/>
+          </a:fontRef>
+        </p:style>
+        <p:txBody>
+          <a:bodyPr/>
+          <a:lstStyle/>
+          <a:p>
+            <a:endParaRPr lang="en-US"/>
+          </a:p>
+        </p:txBody>
+      </p:sp>
+      <p:sp useBgFill="1">
+        <p:nvSpPr>
+          <p:cNvPr id="18" name="Rectangle 17">
+            <a:extLst>
+              <a:ext uri="{FF2B5EF4-FFF2-40B4-BE49-F238E27FC236}">
+                <a16:creationId xmlns:a16="http://schemas.microsoft.com/office/drawing/2014/main" id="{26B4480E-B7FF-4481-890E-043A69AE6FE2}"/>
+              </a:ext>
+              <a:ext uri="{C183D7F6-B498-43B3-948B-1728B52AA6E4}">
+                <adec:decorative xmlns:adec="http://schemas.microsoft.com/office/drawing/2017/decorative" val="1"/>
+              </a:ext>
+            </a:extLst>
+          </p:cNvPr>
+          <p:cNvSpPr>
+            <a:spLocks noGrp="1" noRot="1" noChangeAspect="1" noMove="1" noResize="1" noEditPoints="1" noAdjustHandles="1" noChangeArrowheads="1" noChangeShapeType="1" noTextEdit="1"/>
+          </p:cNvSpPr>
+          <p:nvPr>
+            <p:extLst>
+              <p:ext uri="{386F3935-93C4-4BCD-93E2-E3B085C9AB24}">
+                <p16:designElem xmlns:p16="http://schemas.microsoft.com/office/powerpoint/2015/main" val="1"/>
+              </p:ext>
+            </p:extLst>
+          </p:nvPr>
+        </p:nvSpPr>
+        <p:spPr>
+          <a:xfrm>
+            <a:off x="0" y="0"/>
+            <a:ext cx="12192000" cy="6858000"/>
+          </a:xfrm>
+          <a:prstGeom prst="rect">
+            <a:avLst/>
+          </a:prstGeom>
+          <a:ln>
+            <a:noFill/>
+          </a:ln>
+        </p:spPr>
+        <p:style>
+          <a:lnRef idx="2">
+            <a:schemeClr val="accent1">
+              <a:shade val="50000"/>
+            </a:schemeClr>
+          </a:lnRef>
+          <a:fillRef idx="1">
+            <a:schemeClr val="accent1"/>
+          </a:fillRef>
+          <a:effectRef idx="0">
+            <a:schemeClr val="accent1"/>
+          </a:effectRef>
+          <a:fontRef idx="minor">
+            <a:schemeClr val="lt1"/>
+          </a:fontRef>
+        </p:style>
+        <p:txBody>
+          <a:bodyPr rtlCol="0" anchor="ctr"/>
+          <a:lstStyle/>
+          <a:p>
+            <a:pPr algn="ctr"/>
+            <a:endParaRPr lang="en-US"/>
+          </a:p>
+        </p:txBody>
+      </p:sp>
+      <p:grpSp>
+        <p:nvGrpSpPr>
+          <p:cNvPr id="20" name="Group 19">
+            <a:extLst>
+              <a:ext uri="{FF2B5EF4-FFF2-40B4-BE49-F238E27FC236}">
+                <a16:creationId xmlns:a16="http://schemas.microsoft.com/office/drawing/2014/main" id="{79394E1F-0B5F-497D-B2A6-8383A2A54834}"/>
+              </a:ext>
+              <a:ext uri="{C183D7F6-B498-43B3-948B-1728B52AA6E4}">
+                <adec:decorative xmlns:adec="http://schemas.microsoft.com/office/drawing/2017/decorative" val="1"/>
+              </a:ext>
+            </a:extLst>
+          </p:cNvPr>
+          <p:cNvGrpSpPr>
+            <a:grpSpLocks noGrp="1" noUngrp="1" noRot="1" noChangeAspect="1" noMove="1" noResize="1"/>
+          </p:cNvGrpSpPr>
+          <p:nvPr>
+            <p:extLst>
+              <p:ext uri="{386F3935-93C4-4BCD-93E2-E3B085C9AB24}">
+                <p16:designElem xmlns:p16="http://schemas.microsoft.com/office/powerpoint/2015/main" val="1"/>
+              </p:ext>
+            </p:extLst>
+          </p:nvPr>
+        </p:nvGrpSpPr>
+        <p:grpSpPr>
+          <a:xfrm>
+            <a:off x="438068" y="457200"/>
+            <a:ext cx="3703320" cy="5935133"/>
+            <a:chOff x="438068" y="457200"/>
+            <a:chExt cx="3703320" cy="5935133"/>
+          </a:xfrm>
+        </p:grpSpPr>
+        <p:sp>
+          <p:nvSpPr>
+            <p:cNvPr id="21" name="Rectangle 20">
+              <a:extLst>
+                <a:ext uri="{FF2B5EF4-FFF2-40B4-BE49-F238E27FC236}">
+                  <a16:creationId xmlns:a16="http://schemas.microsoft.com/office/drawing/2014/main" id="{1F1FF39A-AC3C-4066-9D4C-519AA22812EA}"/>
+                </a:ext>
+                <a:ext uri="{C183D7F6-B498-43B3-948B-1728B52AA6E4}">
+                  <adec:decorative xmlns:adec="http://schemas.microsoft.com/office/drawing/2017/decorative" val="1"/>
+                </a:ext>
+              </a:extLst>
+            </p:cNvPr>
+            <p:cNvSpPr/>
+            <p:nvPr>
+              <p:extLst>
+                <p:ext uri="{386F3935-93C4-4BCD-93E2-E3B085C9AB24}">
+                  <p16:designElem xmlns:p16="http://schemas.microsoft.com/office/powerpoint/2015/main" val="1"/>
+                </p:ext>
+              </p:extLst>
+            </p:nvPr>
+          </p:nvSpPr>
+          <p:spPr>
+            <a:xfrm>
+              <a:off x="438068" y="601201"/>
+              <a:ext cx="3702134" cy="5791132"/>
+            </a:xfrm>
+            <a:prstGeom prst="rect">
+              <a:avLst/>
+            </a:prstGeom>
+            <a:solidFill>
+              <a:srgbClr val="465359">
+                <a:alpha val="97000"/>
+              </a:srgbClr>
+            </a:solidFill>
+            <a:ln w="6350" cmpd="sng">
+              <a:noFill/>
+            </a:ln>
+            <a:effectLst/>
+          </p:spPr>
+          <p:style>
+            <a:lnRef idx="1">
+              <a:schemeClr val="accent1"/>
+            </a:lnRef>
+            <a:fillRef idx="3">
+              <a:schemeClr val="accent1"/>
+            </a:fillRef>
+            <a:effectRef idx="2">
+              <a:schemeClr val="accent1"/>
+            </a:effectRef>
+            <a:fontRef idx="minor">
+              <a:schemeClr val="lt1"/>
+            </a:fontRef>
+          </p:style>
+          <p:txBody>
+            <a:bodyPr/>
+            <a:lstStyle/>
+            <a:p>
+              <a:endParaRPr lang="en-US"/>
+            </a:p>
+          </p:txBody>
+        </p:sp>
+        <p:sp>
+          <p:nvSpPr>
+            <p:cNvPr id="22" name="Rectangle 21">
+              <a:extLst>
+                <a:ext uri="{FF2B5EF4-FFF2-40B4-BE49-F238E27FC236}">
+                  <a16:creationId xmlns:a16="http://schemas.microsoft.com/office/drawing/2014/main" id="{64C13BAB-7C00-4D21-A857-E3D41C0A2A66}"/>
+                </a:ext>
+                <a:ext uri="{C183D7F6-B498-43B3-948B-1728B52AA6E4}">
+                  <adec:decorative xmlns:adec="http://schemas.microsoft.com/office/drawing/2017/decorative" val="1"/>
+                </a:ext>
+              </a:extLst>
+            </p:cNvPr>
+            <p:cNvSpPr/>
+            <p:nvPr>
+              <p:extLst>
+                <p:ext uri="{386F3935-93C4-4BCD-93E2-E3B085C9AB24}">
+                  <p16:designElem xmlns:p16="http://schemas.microsoft.com/office/powerpoint/2015/main" val="1"/>
+                </p:ext>
+              </p:extLst>
+            </p:nvPr>
+          </p:nvSpPr>
+          <p:spPr>
+            <a:xfrm>
+              <a:off x="438068" y="457200"/>
+              <a:ext cx="3703320" cy="94997"/>
+            </a:xfrm>
+            <a:prstGeom prst="rect">
+              <a:avLst/>
+            </a:prstGeom>
+            <a:solidFill>
+              <a:srgbClr val="465359"/>
+            </a:solidFill>
+            <a:ln>
+              <a:noFill/>
+            </a:ln>
+            <a:effectLst/>
+          </p:spPr>
+          <p:style>
+            <a:lnRef idx="1">
+              <a:schemeClr val="accent1"/>
+            </a:lnRef>
+            <a:fillRef idx="3">
+              <a:schemeClr val="accent1"/>
+            </a:fillRef>
+            <a:effectRef idx="2">
+              <a:schemeClr val="accent1"/>
+            </a:effectRef>
+            <a:fontRef idx="minor">
+              <a:schemeClr val="lt1"/>
+            </a:fontRef>
+          </p:style>
+          <p:txBody>
+            <a:bodyPr/>
+            <a:lstStyle/>
+            <a:p>
+              <a:endParaRPr lang="en-US"/>
+            </a:p>
+          </p:txBody>
+        </p:sp>
+      </p:grpSp>
+      <p:sp>
+        <p:nvSpPr>
+          <p:cNvPr id="2" name="Title 1">
+            <a:extLst>
+              <a:ext uri="{FF2B5EF4-FFF2-40B4-BE49-F238E27FC236}">
+                <a16:creationId xmlns:a16="http://schemas.microsoft.com/office/drawing/2014/main" id="{E5EF6EC5-F6C3-4782-BBC2-1B0AB039E055}"/>
+              </a:ext>
+            </a:extLst>
+          </p:cNvPr>
+          <p:cNvSpPr>
+            <a:spLocks noGrp="1"/>
+          </p:cNvSpPr>
+          <p:nvPr>
+            <p:ph type="title"/>
+          </p:nvPr>
+        </p:nvSpPr>
+        <p:spPr>
+          <a:xfrm>
+            <a:off x="584200" y="1524001"/>
+            <a:ext cx="3412067" cy="3478384"/>
+          </a:xfrm>
+        </p:spPr>
+        <p:txBody>
+          <a:bodyPr vert="horz" lIns="91440" tIns="45720" rIns="91440" bIns="45720" rtlCol="0" anchor="b">
+            <a:normAutofit/>
+          </a:bodyPr>
+          <a:lstStyle/>
+          <a:p>
+            <a:r>
+              <a:rPr lang="en-US" sz="3600" dirty="0">
+                <a:solidFill>
+                  <a:srgbClr val="FFFFFF"/>
+                </a:solidFill>
+              </a:rPr>
+              <a:t>Sample output</a:t>
+            </a:r>
+          </a:p>
+        </p:txBody>
+      </p:sp>
+      <p:pic>
+        <p:nvPicPr>
+          <p:cNvPr id="6" name="Content Placeholder 4">
+            <a:extLst>
+              <a:ext uri="{FF2B5EF4-FFF2-40B4-BE49-F238E27FC236}">
+                <a16:creationId xmlns:a16="http://schemas.microsoft.com/office/drawing/2014/main" id="{A130F5A8-0444-B313-0F2F-B6757425E7B3}"/>
+              </a:ext>
+            </a:extLst>
+          </p:cNvPr>
+          <p:cNvPicPr>
+            <a:picLocks noChangeAspect="1"/>
+          </p:cNvPicPr>
+          <p:nvPr/>
+        </p:nvPicPr>
+        <p:blipFill>
+          <a:blip r:embed="rId2"/>
+          <a:stretch>
+            <a:fillRect/>
+          </a:stretch>
+        </p:blipFill>
+        <p:spPr>
+          <a:xfrm>
+            <a:off x="4871618" y="767249"/>
+            <a:ext cx="6588966" cy="5138251"/>
+          </a:xfrm>
+          <a:prstGeom prst="rect">
+            <a:avLst/>
+          </a:prstGeom>
+        </p:spPr>
+      </p:pic>
+    </p:spTree>
+    <p:extLst>
+      <p:ext uri="{BB962C8B-B14F-4D97-AF65-F5344CB8AC3E}">
+        <p14:creationId xmlns:p14="http://schemas.microsoft.com/office/powerpoint/2010/main" val="2082655347"/>
+      </p:ext>
+    </p:extLst>
+  </p:cSld>
+  <p:clrMapOvr>
+    <a:masterClrMapping/>
+  </p:clrMapOvr>
+</p:sld>
+</file>
+
+<file path=ppt/slides/slide9.xml><?xml version="1.0" encoding="utf-8"?>
+<p:sld xmlns:a="http://schemas.openxmlformats.org/drawingml/2006/main" xmlns:r="http://schemas.openxmlformats.org/officeDocument/2006/relationships" xmlns:p="http://schemas.openxmlformats.org/presentationml/2006/main">
+  <p:cSld>
+    <p:bg>
+      <p:bgPr>
+        <a:solidFill>
+          <a:schemeClr val="bg1"/>
+        </a:solidFill>
+        <a:effectLst/>
+      </p:bgPr>
+    </p:bg>
+    <p:spTree>
+      <p:nvGrpSpPr>
+        <p:cNvPr id="1" name=""/>
+        <p:cNvGrpSpPr/>
+        <p:nvPr/>
+      </p:nvGrpSpPr>
+      <p:grpSpPr>
+        <a:xfrm>
+          <a:off x="0" y="0"/>
+          <a:ext cx="0" cy="0"/>
+          <a:chOff x="0" y="0"/>
+          <a:chExt cx="0" cy="0"/>
+        </a:xfrm>
+      </p:grpSpPr>
+      <p:sp>
+        <p:nvSpPr>
+          <p:cNvPr id="10" name="Rectangle 9">
+            <a:extLst>
+              <a:ext uri="{FF2B5EF4-FFF2-40B4-BE49-F238E27FC236}">
                 <a16:creationId xmlns:a16="http://schemas.microsoft.com/office/drawing/2014/main" id="{E9751CB9-7B25-4EB8-9A6F-82F822549F12}"/>
               </a:ext>
               <a:ext uri="{C183D7F6-B498-43B3-948B-1728B52AA6E4}">
